--- a/1. From Data Science to Production with Kotlin/oreilly_from_data_science_to_production_with_kotlin.pptx
+++ b/1. From Data Science to Production with Kotlin/oreilly_from_data_science_to_production_with_kotlin.pptx
@@ -135,6 +135,10 @@
     </p:ext>
   </p:extLst>
 </p:presentation>
+</file>
+
+<file path=ppt/revisionInfo.xml><?xml version="1.0" encoding="utf-8"?>
+<p1510:revInfo xmlns:a="http://schemas.openxmlformats.org/drawingml/2006/main" xmlns:r="http://schemas.openxmlformats.org/officeDocument/2006/relationships" xmlns:p1510="http://schemas.microsoft.com/office/powerpoint/2015/10/main"/>
 </file>
 
 <file path=ppt/notesMasters/notesMaster1.xml><?xml version="1.0" encoding="utf-8"?>
@@ -4445,6 +4449,372 @@
   <p:clrMapOvr>
     <a:masterClrMapping/>
   </p:clrMapOvr>
+  <p:timing>
+    <p:tnLst>
+      <p:par>
+        <p:cTn id="1" dur="indefinite" restart="never" nodeType="tmRoot">
+          <p:childTnLst>
+            <p:seq concurrent="1" nextAc="seek">
+              <p:cTn id="2" dur="indefinite" nodeType="mainSeq">
+                <p:childTnLst>
+                  <p:par>
+                    <p:cTn id="3" fill="hold">
+                      <p:stCondLst>
+                        <p:cond delay="indefinite"/>
+                      </p:stCondLst>
+                      <p:childTnLst>
+                        <p:par>
+                          <p:cTn id="4" fill="hold">
+                            <p:stCondLst>
+                              <p:cond delay="0"/>
+                            </p:stCondLst>
+                            <p:childTnLst>
+                              <p:par>
+                                <p:cTn id="5" presetID="1" presetClass="entr" presetSubtype="0" fill="hold" grpId="0" nodeType="clickEffect">
+                                  <p:stCondLst>
+                                    <p:cond delay="0"/>
+                                  </p:stCondLst>
+                                  <p:childTnLst>
+                                    <p:set>
+                                      <p:cBhvr>
+                                        <p:cTn id="6" dur="1" fill="hold">
+                                          <p:stCondLst>
+                                            <p:cond delay="0"/>
+                                          </p:stCondLst>
+                                        </p:cTn>
+                                        <p:tgtEl>
+                                          <p:spTgt spid="3">
+                                            <p:txEl>
+                                              <p:pRg st="0" end="0"/>
+                                            </p:txEl>
+                                          </p:spTgt>
+                                        </p:tgtEl>
+                                        <p:attrNameLst>
+                                          <p:attrName>style.visibility</p:attrName>
+                                        </p:attrNameLst>
+                                      </p:cBhvr>
+                                      <p:to>
+                                        <p:strVal val="visible"/>
+                                      </p:to>
+                                    </p:set>
+                                  </p:childTnLst>
+                                </p:cTn>
+                              </p:par>
+                              <p:par>
+                                <p:cTn id="7" presetID="1" presetClass="entr" presetSubtype="0" fill="hold" grpId="0" nodeType="withEffect">
+                                  <p:stCondLst>
+                                    <p:cond delay="0"/>
+                                  </p:stCondLst>
+                                  <p:childTnLst>
+                                    <p:set>
+                                      <p:cBhvr>
+                                        <p:cTn id="8" dur="1" fill="hold">
+                                          <p:stCondLst>
+                                            <p:cond delay="0"/>
+                                          </p:stCondLst>
+                                        </p:cTn>
+                                        <p:tgtEl>
+                                          <p:spTgt spid="3">
+                                            <p:txEl>
+                                              <p:pRg st="1" end="1"/>
+                                            </p:txEl>
+                                          </p:spTgt>
+                                        </p:tgtEl>
+                                        <p:attrNameLst>
+                                          <p:attrName>style.visibility</p:attrName>
+                                        </p:attrNameLst>
+                                      </p:cBhvr>
+                                      <p:to>
+                                        <p:strVal val="visible"/>
+                                      </p:to>
+                                    </p:set>
+                                  </p:childTnLst>
+                                </p:cTn>
+                              </p:par>
+                              <p:par>
+                                <p:cTn id="9" presetID="1" presetClass="entr" presetSubtype="0" fill="hold" grpId="0" nodeType="withEffect">
+                                  <p:stCondLst>
+                                    <p:cond delay="0"/>
+                                  </p:stCondLst>
+                                  <p:childTnLst>
+                                    <p:set>
+                                      <p:cBhvr>
+                                        <p:cTn id="10" dur="1" fill="hold">
+                                          <p:stCondLst>
+                                            <p:cond delay="0"/>
+                                          </p:stCondLst>
+                                        </p:cTn>
+                                        <p:tgtEl>
+                                          <p:spTgt spid="3">
+                                            <p:txEl>
+                                              <p:pRg st="2" end="2"/>
+                                            </p:txEl>
+                                          </p:spTgt>
+                                        </p:tgtEl>
+                                        <p:attrNameLst>
+                                          <p:attrName>style.visibility</p:attrName>
+                                        </p:attrNameLst>
+                                      </p:cBhvr>
+                                      <p:to>
+                                        <p:strVal val="visible"/>
+                                      </p:to>
+                                    </p:set>
+                                  </p:childTnLst>
+                                </p:cTn>
+                              </p:par>
+                              <p:par>
+                                <p:cTn id="11" presetID="1" presetClass="entr" presetSubtype="0" fill="hold" grpId="0" nodeType="withEffect">
+                                  <p:stCondLst>
+                                    <p:cond delay="0"/>
+                                  </p:stCondLst>
+                                  <p:childTnLst>
+                                    <p:set>
+                                      <p:cBhvr>
+                                        <p:cTn id="12" dur="1" fill="hold">
+                                          <p:stCondLst>
+                                            <p:cond delay="0"/>
+                                          </p:stCondLst>
+                                        </p:cTn>
+                                        <p:tgtEl>
+                                          <p:spTgt spid="3">
+                                            <p:txEl>
+                                              <p:pRg st="3" end="3"/>
+                                            </p:txEl>
+                                          </p:spTgt>
+                                        </p:tgtEl>
+                                        <p:attrNameLst>
+                                          <p:attrName>style.visibility</p:attrName>
+                                        </p:attrNameLst>
+                                      </p:cBhvr>
+                                      <p:to>
+                                        <p:strVal val="visible"/>
+                                      </p:to>
+                                    </p:set>
+                                  </p:childTnLst>
+                                </p:cTn>
+                              </p:par>
+                            </p:childTnLst>
+                          </p:cTn>
+                        </p:par>
+                      </p:childTnLst>
+                    </p:cTn>
+                  </p:par>
+                  <p:par>
+                    <p:cTn id="13" fill="hold">
+                      <p:stCondLst>
+                        <p:cond delay="indefinite"/>
+                      </p:stCondLst>
+                      <p:childTnLst>
+                        <p:par>
+                          <p:cTn id="14" fill="hold">
+                            <p:stCondLst>
+                              <p:cond delay="0"/>
+                            </p:stCondLst>
+                            <p:childTnLst>
+                              <p:par>
+                                <p:cTn id="15" presetID="1" presetClass="entr" presetSubtype="0" fill="hold" grpId="0" nodeType="clickEffect">
+                                  <p:stCondLst>
+                                    <p:cond delay="0"/>
+                                  </p:stCondLst>
+                                  <p:childTnLst>
+                                    <p:set>
+                                      <p:cBhvr>
+                                        <p:cTn id="16" dur="1" fill="hold">
+                                          <p:stCondLst>
+                                            <p:cond delay="0"/>
+                                          </p:stCondLst>
+                                        </p:cTn>
+                                        <p:tgtEl>
+                                          <p:spTgt spid="3">
+                                            <p:txEl>
+                                              <p:pRg st="4" end="4"/>
+                                            </p:txEl>
+                                          </p:spTgt>
+                                        </p:tgtEl>
+                                        <p:attrNameLst>
+                                          <p:attrName>style.visibility</p:attrName>
+                                        </p:attrNameLst>
+                                      </p:cBhvr>
+                                      <p:to>
+                                        <p:strVal val="visible"/>
+                                      </p:to>
+                                    </p:set>
+                                  </p:childTnLst>
+                                </p:cTn>
+                              </p:par>
+                            </p:childTnLst>
+                          </p:cTn>
+                        </p:par>
+                      </p:childTnLst>
+                    </p:cTn>
+                  </p:par>
+                  <p:par>
+                    <p:cTn id="17" fill="hold">
+                      <p:stCondLst>
+                        <p:cond delay="indefinite"/>
+                      </p:stCondLst>
+                      <p:childTnLst>
+                        <p:par>
+                          <p:cTn id="18" fill="hold">
+                            <p:stCondLst>
+                              <p:cond delay="0"/>
+                            </p:stCondLst>
+                            <p:childTnLst>
+                              <p:par>
+                                <p:cTn id="19" presetID="1" presetClass="entr" presetSubtype="0" fill="hold" grpId="0" nodeType="clickEffect">
+                                  <p:stCondLst>
+                                    <p:cond delay="0"/>
+                                  </p:stCondLst>
+                                  <p:childTnLst>
+                                    <p:set>
+                                      <p:cBhvr>
+                                        <p:cTn id="20" dur="1" fill="hold">
+                                          <p:stCondLst>
+                                            <p:cond delay="0"/>
+                                          </p:stCondLst>
+                                        </p:cTn>
+                                        <p:tgtEl>
+                                          <p:spTgt spid="3">
+                                            <p:txEl>
+                                              <p:pRg st="5" end="5"/>
+                                            </p:txEl>
+                                          </p:spTgt>
+                                        </p:tgtEl>
+                                        <p:attrNameLst>
+                                          <p:attrName>style.visibility</p:attrName>
+                                        </p:attrNameLst>
+                                      </p:cBhvr>
+                                      <p:to>
+                                        <p:strVal val="visible"/>
+                                      </p:to>
+                                    </p:set>
+                                  </p:childTnLst>
+                                </p:cTn>
+                              </p:par>
+                              <p:par>
+                                <p:cTn id="21" presetID="1" presetClass="entr" presetSubtype="0" fill="hold" grpId="0" nodeType="withEffect">
+                                  <p:stCondLst>
+                                    <p:cond delay="0"/>
+                                  </p:stCondLst>
+                                  <p:childTnLst>
+                                    <p:set>
+                                      <p:cBhvr>
+                                        <p:cTn id="22" dur="1" fill="hold">
+                                          <p:stCondLst>
+                                            <p:cond delay="0"/>
+                                          </p:stCondLst>
+                                        </p:cTn>
+                                        <p:tgtEl>
+                                          <p:spTgt spid="3">
+                                            <p:txEl>
+                                              <p:pRg st="6" end="6"/>
+                                            </p:txEl>
+                                          </p:spTgt>
+                                        </p:tgtEl>
+                                        <p:attrNameLst>
+                                          <p:attrName>style.visibility</p:attrName>
+                                        </p:attrNameLst>
+                                      </p:cBhvr>
+                                      <p:to>
+                                        <p:strVal val="visible"/>
+                                      </p:to>
+                                    </p:set>
+                                  </p:childTnLst>
+                                </p:cTn>
+                              </p:par>
+                              <p:par>
+                                <p:cTn id="23" presetID="1" presetClass="entr" presetSubtype="0" fill="hold" grpId="0" nodeType="withEffect">
+                                  <p:stCondLst>
+                                    <p:cond delay="0"/>
+                                  </p:stCondLst>
+                                  <p:childTnLst>
+                                    <p:set>
+                                      <p:cBhvr>
+                                        <p:cTn id="24" dur="1" fill="hold">
+                                          <p:stCondLst>
+                                            <p:cond delay="0"/>
+                                          </p:stCondLst>
+                                        </p:cTn>
+                                        <p:tgtEl>
+                                          <p:spTgt spid="3">
+                                            <p:txEl>
+                                              <p:pRg st="7" end="7"/>
+                                            </p:txEl>
+                                          </p:spTgt>
+                                        </p:tgtEl>
+                                        <p:attrNameLst>
+                                          <p:attrName>style.visibility</p:attrName>
+                                        </p:attrNameLst>
+                                      </p:cBhvr>
+                                      <p:to>
+                                        <p:strVal val="visible"/>
+                                      </p:to>
+                                    </p:set>
+                                  </p:childTnLst>
+                                </p:cTn>
+                              </p:par>
+                              <p:par>
+                                <p:cTn id="25" presetID="1" presetClass="entr" presetSubtype="0" fill="hold" grpId="0" nodeType="withEffect">
+                                  <p:stCondLst>
+                                    <p:cond delay="0"/>
+                                  </p:stCondLst>
+                                  <p:childTnLst>
+                                    <p:set>
+                                      <p:cBhvr>
+                                        <p:cTn id="26" dur="1" fill="hold">
+                                          <p:stCondLst>
+                                            <p:cond delay="0"/>
+                                          </p:stCondLst>
+                                        </p:cTn>
+                                        <p:tgtEl>
+                                          <p:spTgt spid="3">
+                                            <p:txEl>
+                                              <p:pRg st="8" end="8"/>
+                                            </p:txEl>
+                                          </p:spTgt>
+                                        </p:tgtEl>
+                                        <p:attrNameLst>
+                                          <p:attrName>style.visibility</p:attrName>
+                                        </p:attrNameLst>
+                                      </p:cBhvr>
+                                      <p:to>
+                                        <p:strVal val="visible"/>
+                                      </p:to>
+                                    </p:set>
+                                  </p:childTnLst>
+                                </p:cTn>
+                              </p:par>
+                            </p:childTnLst>
+                          </p:cTn>
+                        </p:par>
+                      </p:childTnLst>
+                    </p:cTn>
+                  </p:par>
+                </p:childTnLst>
+              </p:cTn>
+              <p:prevCondLst>
+                <p:cond evt="onPrev" delay="0">
+                  <p:tgtEl>
+                    <p:sldTgt/>
+                  </p:tgtEl>
+                </p:cond>
+              </p:prevCondLst>
+              <p:nextCondLst>
+                <p:cond evt="onNext" delay="0">
+                  <p:tgtEl>
+                    <p:sldTgt/>
+                  </p:tgtEl>
+                </p:cond>
+              </p:nextCondLst>
+            </p:seq>
+          </p:childTnLst>
+        </p:cTn>
+      </p:par>
+    </p:tnLst>
+    <p:bldLst>
+      <p:bldP spid="3" grpId="0" build="p"/>
+    </p:bldLst>
+  </p:timing>
 </p:sld>
 </file>
 
@@ -4579,6 +4949,199 @@
   <p:clrMapOvr>
     <a:masterClrMapping/>
   </p:clrMapOvr>
+  <p:timing>
+    <p:tnLst>
+      <p:par>
+        <p:cTn id="1" dur="indefinite" restart="never" nodeType="tmRoot">
+          <p:childTnLst>
+            <p:seq concurrent="1" nextAc="seek">
+              <p:cTn id="2" dur="indefinite" nodeType="mainSeq">
+                <p:childTnLst>
+                  <p:par>
+                    <p:cTn id="3" fill="hold">
+                      <p:stCondLst>
+                        <p:cond delay="indefinite"/>
+                      </p:stCondLst>
+                      <p:childTnLst>
+                        <p:par>
+                          <p:cTn id="4" fill="hold">
+                            <p:stCondLst>
+                              <p:cond delay="0"/>
+                            </p:stCondLst>
+                            <p:childTnLst>
+                              <p:par>
+                                <p:cTn id="5" presetID="1" presetClass="entr" presetSubtype="0" fill="hold" grpId="0" nodeType="clickEffect">
+                                  <p:stCondLst>
+                                    <p:cond delay="0"/>
+                                  </p:stCondLst>
+                                  <p:childTnLst>
+                                    <p:set>
+                                      <p:cBhvr>
+                                        <p:cTn id="6" dur="1" fill="hold">
+                                          <p:stCondLst>
+                                            <p:cond delay="0"/>
+                                          </p:stCondLst>
+                                        </p:cTn>
+                                        <p:tgtEl>
+                                          <p:spTgt spid="3">
+                                            <p:txEl>
+                                              <p:pRg st="0" end="0"/>
+                                            </p:txEl>
+                                          </p:spTgt>
+                                        </p:tgtEl>
+                                        <p:attrNameLst>
+                                          <p:attrName>style.visibility</p:attrName>
+                                        </p:attrNameLst>
+                                      </p:cBhvr>
+                                      <p:to>
+                                        <p:strVal val="visible"/>
+                                      </p:to>
+                                    </p:set>
+                                  </p:childTnLst>
+                                </p:cTn>
+                              </p:par>
+                              <p:par>
+                                <p:cTn id="7" presetID="1" presetClass="entr" presetSubtype="0" fill="hold" grpId="0" nodeType="withEffect">
+                                  <p:stCondLst>
+                                    <p:cond delay="0"/>
+                                  </p:stCondLst>
+                                  <p:childTnLst>
+                                    <p:set>
+                                      <p:cBhvr>
+                                        <p:cTn id="8" dur="1" fill="hold">
+                                          <p:stCondLst>
+                                            <p:cond delay="0"/>
+                                          </p:stCondLst>
+                                        </p:cTn>
+                                        <p:tgtEl>
+                                          <p:spTgt spid="3">
+                                            <p:txEl>
+                                              <p:pRg st="1" end="1"/>
+                                            </p:txEl>
+                                          </p:spTgt>
+                                        </p:tgtEl>
+                                        <p:attrNameLst>
+                                          <p:attrName>style.visibility</p:attrName>
+                                        </p:attrNameLst>
+                                      </p:cBhvr>
+                                      <p:to>
+                                        <p:strVal val="visible"/>
+                                      </p:to>
+                                    </p:set>
+                                  </p:childTnLst>
+                                </p:cTn>
+                              </p:par>
+                              <p:par>
+                                <p:cTn id="9" presetID="1" presetClass="entr" presetSubtype="0" fill="hold" grpId="0" nodeType="withEffect">
+                                  <p:stCondLst>
+                                    <p:cond delay="0"/>
+                                  </p:stCondLst>
+                                  <p:childTnLst>
+                                    <p:set>
+                                      <p:cBhvr>
+                                        <p:cTn id="10" dur="1" fill="hold">
+                                          <p:stCondLst>
+                                            <p:cond delay="0"/>
+                                          </p:stCondLst>
+                                        </p:cTn>
+                                        <p:tgtEl>
+                                          <p:spTgt spid="3">
+                                            <p:txEl>
+                                              <p:pRg st="2" end="2"/>
+                                            </p:txEl>
+                                          </p:spTgt>
+                                        </p:tgtEl>
+                                        <p:attrNameLst>
+                                          <p:attrName>style.visibility</p:attrName>
+                                        </p:attrNameLst>
+                                      </p:cBhvr>
+                                      <p:to>
+                                        <p:strVal val="visible"/>
+                                      </p:to>
+                                    </p:set>
+                                  </p:childTnLst>
+                                </p:cTn>
+                              </p:par>
+                            </p:childTnLst>
+                          </p:cTn>
+                        </p:par>
+                      </p:childTnLst>
+                    </p:cTn>
+                  </p:par>
+                  <p:par>
+                    <p:cTn id="11" fill="hold">
+                      <p:stCondLst>
+                        <p:cond delay="indefinite"/>
+                      </p:stCondLst>
+                      <p:childTnLst>
+                        <p:par>
+                          <p:cTn id="12" fill="hold">
+                            <p:stCondLst>
+                              <p:cond delay="0"/>
+                            </p:stCondLst>
+                            <p:childTnLst>
+                              <p:par>
+                                <p:cTn id="13" presetID="1" presetClass="entr" presetSubtype="0" fill="hold" grpId="0" nodeType="clickEffect">
+                                  <p:stCondLst>
+                                    <p:cond delay="0"/>
+                                  </p:stCondLst>
+                                  <p:childTnLst>
+                                    <p:set>
+                                      <p:cBhvr>
+                                        <p:cTn id="14" dur="1" fill="hold">
+                                          <p:stCondLst>
+                                            <p:cond delay="0"/>
+                                          </p:stCondLst>
+                                        </p:cTn>
+                                        <p:tgtEl>
+                                          <p:spTgt spid="3">
+                                            <p:txEl>
+                                              <p:pRg st="3" end="3"/>
+                                            </p:txEl>
+                                          </p:spTgt>
+                                        </p:tgtEl>
+                                        <p:attrNameLst>
+                                          <p:attrName>style.visibility</p:attrName>
+                                        </p:attrNameLst>
+                                      </p:cBhvr>
+                                      <p:to>
+                                        <p:strVal val="visible"/>
+                                      </p:to>
+                                    </p:set>
+                                  </p:childTnLst>
+                                </p:cTn>
+                              </p:par>
+                            </p:childTnLst>
+                          </p:cTn>
+                        </p:par>
+                      </p:childTnLst>
+                    </p:cTn>
+                  </p:par>
+                </p:childTnLst>
+              </p:cTn>
+              <p:prevCondLst>
+                <p:cond evt="onPrev" delay="0">
+                  <p:tgtEl>
+                    <p:sldTgt/>
+                  </p:tgtEl>
+                </p:cond>
+              </p:prevCondLst>
+              <p:nextCondLst>
+                <p:cond evt="onNext" delay="0">
+                  <p:tgtEl>
+                    <p:sldTgt/>
+                  </p:tgtEl>
+                </p:cond>
+              </p:nextCondLst>
+            </p:seq>
+          </p:childTnLst>
+        </p:cTn>
+      </p:par>
+    </p:tnLst>
+    <p:bldLst>
+      <p:bldP spid="3" grpId="0" build="p"/>
+    </p:bldLst>
+  </p:timing>
 </p:sld>
 </file>
 
@@ -7709,7 +8272,7 @@
               <a:t>Created by JetBrains, the creator of </a:t>
             </a:r>
             <a:r>
-              <a:rPr lang="en-US" err="1"/>
+              <a:rPr lang="en-US" dirty="0" err="1"/>
               <a:t>Intellij</a:t>
             </a:r>
             <a:r>
@@ -7798,6 +8361,274 @@
   <p:clrMapOvr>
     <a:masterClrMapping/>
   </p:clrMapOvr>
+  <p:timing>
+    <p:tnLst>
+      <p:par>
+        <p:cTn id="1" dur="indefinite" restart="never" nodeType="tmRoot">
+          <p:childTnLst>
+            <p:seq concurrent="1" nextAc="seek">
+              <p:cTn id="2" dur="indefinite" nodeType="mainSeq">
+                <p:childTnLst>
+                  <p:par>
+                    <p:cTn id="3" fill="hold">
+                      <p:stCondLst>
+                        <p:cond delay="indefinite"/>
+                      </p:stCondLst>
+                      <p:childTnLst>
+                        <p:par>
+                          <p:cTn id="4" fill="hold">
+                            <p:stCondLst>
+                              <p:cond delay="0"/>
+                            </p:stCondLst>
+                            <p:childTnLst>
+                              <p:par>
+                                <p:cTn id="5" presetID="1" presetClass="entr" presetSubtype="0" fill="hold" grpId="0" nodeType="clickEffect">
+                                  <p:stCondLst>
+                                    <p:cond delay="0"/>
+                                  </p:stCondLst>
+                                  <p:childTnLst>
+                                    <p:set>
+                                      <p:cBhvr>
+                                        <p:cTn id="6" dur="1" fill="hold">
+                                          <p:stCondLst>
+                                            <p:cond delay="0"/>
+                                          </p:stCondLst>
+                                        </p:cTn>
+                                        <p:tgtEl>
+                                          <p:spTgt spid="3">
+                                            <p:txEl>
+                                              <p:pRg st="0" end="0"/>
+                                            </p:txEl>
+                                          </p:spTgt>
+                                        </p:tgtEl>
+                                        <p:attrNameLst>
+                                          <p:attrName>style.visibility</p:attrName>
+                                        </p:attrNameLst>
+                                      </p:cBhvr>
+                                      <p:to>
+                                        <p:strVal val="visible"/>
+                                      </p:to>
+                                    </p:set>
+                                  </p:childTnLst>
+                                </p:cTn>
+                              </p:par>
+                              <p:par>
+                                <p:cTn id="7" presetID="1" presetClass="entr" presetSubtype="0" fill="hold" grpId="0" nodeType="withEffect">
+                                  <p:stCondLst>
+                                    <p:cond delay="0"/>
+                                  </p:stCondLst>
+                                  <p:childTnLst>
+                                    <p:set>
+                                      <p:cBhvr>
+                                        <p:cTn id="8" dur="1" fill="hold">
+                                          <p:stCondLst>
+                                            <p:cond delay="0"/>
+                                          </p:stCondLst>
+                                        </p:cTn>
+                                        <p:tgtEl>
+                                          <p:spTgt spid="3">
+                                            <p:txEl>
+                                              <p:pRg st="1" end="1"/>
+                                            </p:txEl>
+                                          </p:spTgt>
+                                        </p:tgtEl>
+                                        <p:attrNameLst>
+                                          <p:attrName>style.visibility</p:attrName>
+                                        </p:attrNameLst>
+                                      </p:cBhvr>
+                                      <p:to>
+                                        <p:strVal val="visible"/>
+                                      </p:to>
+                                    </p:set>
+                                  </p:childTnLst>
+                                </p:cTn>
+                              </p:par>
+                              <p:par>
+                                <p:cTn id="9" presetID="1" presetClass="entr" presetSubtype="0" fill="hold" grpId="0" nodeType="withEffect">
+                                  <p:stCondLst>
+                                    <p:cond delay="0"/>
+                                  </p:stCondLst>
+                                  <p:childTnLst>
+                                    <p:set>
+                                      <p:cBhvr>
+                                        <p:cTn id="10" dur="1" fill="hold">
+                                          <p:stCondLst>
+                                            <p:cond delay="0"/>
+                                          </p:stCondLst>
+                                        </p:cTn>
+                                        <p:tgtEl>
+                                          <p:spTgt spid="3">
+                                            <p:txEl>
+                                              <p:pRg st="2" end="2"/>
+                                            </p:txEl>
+                                          </p:spTgt>
+                                        </p:tgtEl>
+                                        <p:attrNameLst>
+                                          <p:attrName>style.visibility</p:attrName>
+                                        </p:attrNameLst>
+                                      </p:cBhvr>
+                                      <p:to>
+                                        <p:strVal val="visible"/>
+                                      </p:to>
+                                    </p:set>
+                                  </p:childTnLst>
+                                </p:cTn>
+                              </p:par>
+                              <p:par>
+                                <p:cTn id="11" presetID="1" presetClass="entr" presetSubtype="0" fill="hold" grpId="0" nodeType="withEffect">
+                                  <p:stCondLst>
+                                    <p:cond delay="0"/>
+                                  </p:stCondLst>
+                                  <p:childTnLst>
+                                    <p:set>
+                                      <p:cBhvr>
+                                        <p:cTn id="12" dur="1" fill="hold">
+                                          <p:stCondLst>
+                                            <p:cond delay="0"/>
+                                          </p:stCondLst>
+                                        </p:cTn>
+                                        <p:tgtEl>
+                                          <p:spTgt spid="3">
+                                            <p:txEl>
+                                              <p:pRg st="4" end="4"/>
+                                            </p:txEl>
+                                          </p:spTgt>
+                                        </p:tgtEl>
+                                        <p:attrNameLst>
+                                          <p:attrName>style.visibility</p:attrName>
+                                        </p:attrNameLst>
+                                      </p:cBhvr>
+                                      <p:to>
+                                        <p:strVal val="visible"/>
+                                      </p:to>
+                                    </p:set>
+                                  </p:childTnLst>
+                                </p:cTn>
+                              </p:par>
+                              <p:par>
+                                <p:cTn id="13" presetID="1" presetClass="entr" presetSubtype="0" fill="hold" grpId="0" nodeType="withEffect">
+                                  <p:stCondLst>
+                                    <p:cond delay="0"/>
+                                  </p:stCondLst>
+                                  <p:childTnLst>
+                                    <p:set>
+                                      <p:cBhvr>
+                                        <p:cTn id="14" dur="1" fill="hold">
+                                          <p:stCondLst>
+                                            <p:cond delay="0"/>
+                                          </p:stCondLst>
+                                        </p:cTn>
+                                        <p:tgtEl>
+                                          <p:spTgt spid="3">
+                                            <p:txEl>
+                                              <p:pRg st="5" end="5"/>
+                                            </p:txEl>
+                                          </p:spTgt>
+                                        </p:tgtEl>
+                                        <p:attrNameLst>
+                                          <p:attrName>style.visibility</p:attrName>
+                                        </p:attrNameLst>
+                                      </p:cBhvr>
+                                      <p:to>
+                                        <p:strVal val="visible"/>
+                                      </p:to>
+                                    </p:set>
+                                  </p:childTnLst>
+                                </p:cTn>
+                              </p:par>
+                              <p:par>
+                                <p:cTn id="15" presetID="1" presetClass="entr" presetSubtype="0" fill="hold" grpId="0" nodeType="withEffect">
+                                  <p:stCondLst>
+                                    <p:cond delay="0"/>
+                                  </p:stCondLst>
+                                  <p:childTnLst>
+                                    <p:set>
+                                      <p:cBhvr>
+                                        <p:cTn id="16" dur="1" fill="hold">
+                                          <p:stCondLst>
+                                            <p:cond delay="0"/>
+                                          </p:stCondLst>
+                                        </p:cTn>
+                                        <p:tgtEl>
+                                          <p:spTgt spid="3">
+                                            <p:txEl>
+                                              <p:pRg st="6" end="6"/>
+                                            </p:txEl>
+                                          </p:spTgt>
+                                        </p:tgtEl>
+                                        <p:attrNameLst>
+                                          <p:attrName>style.visibility</p:attrName>
+                                        </p:attrNameLst>
+                                      </p:cBhvr>
+                                      <p:to>
+                                        <p:strVal val="visible"/>
+                                      </p:to>
+                                    </p:set>
+                                  </p:childTnLst>
+                                </p:cTn>
+                              </p:par>
+                              <p:par>
+                                <p:cTn id="17" presetID="1" presetClass="entr" presetSubtype="0" fill="hold" grpId="0" nodeType="withEffect">
+                                  <p:stCondLst>
+                                    <p:cond delay="0"/>
+                                  </p:stCondLst>
+                                  <p:childTnLst>
+                                    <p:set>
+                                      <p:cBhvr>
+                                        <p:cTn id="18" dur="1" fill="hold">
+                                          <p:stCondLst>
+                                            <p:cond delay="0"/>
+                                          </p:stCondLst>
+                                        </p:cTn>
+                                        <p:tgtEl>
+                                          <p:spTgt spid="3">
+                                            <p:txEl>
+                                              <p:pRg st="7" end="7"/>
+                                            </p:txEl>
+                                          </p:spTgt>
+                                        </p:tgtEl>
+                                        <p:attrNameLst>
+                                          <p:attrName>style.visibility</p:attrName>
+                                        </p:attrNameLst>
+                                      </p:cBhvr>
+                                      <p:to>
+                                        <p:strVal val="visible"/>
+                                      </p:to>
+                                    </p:set>
+                                  </p:childTnLst>
+                                </p:cTn>
+                              </p:par>
+                            </p:childTnLst>
+                          </p:cTn>
+                        </p:par>
+                      </p:childTnLst>
+                    </p:cTn>
+                  </p:par>
+                </p:childTnLst>
+              </p:cTn>
+              <p:prevCondLst>
+                <p:cond evt="onPrev" delay="0">
+                  <p:tgtEl>
+                    <p:sldTgt/>
+                  </p:tgtEl>
+                </p:cond>
+              </p:prevCondLst>
+              <p:nextCondLst>
+                <p:cond evt="onNext" delay="0">
+                  <p:tgtEl>
+                    <p:sldTgt/>
+                  </p:tgtEl>
+                </p:cond>
+              </p:nextCondLst>
+            </p:seq>
+          </p:childTnLst>
+        </p:cTn>
+      </p:par>
+    </p:tnLst>
+    <p:bldLst>
+      <p:bldP spid="3" grpId="0" build="p"/>
+    </p:bldLst>
+  </p:timing>
 </p:sld>
 </file>
 
@@ -8007,7 +8838,7 @@
         </p:nvSpPr>
         <p:spPr>
           <a:xfrm>
-            <a:off x="1096963" y="1846263"/>
+            <a:off x="1097280" y="1896597"/>
             <a:ext cx="10058400" cy="4392013"/>
           </a:xfrm>
         </p:spPr>
@@ -8170,6 +9001,434 @@
   <p:clrMapOvr>
     <a:masterClrMapping/>
   </p:clrMapOvr>
+  <p:timing>
+    <p:tnLst>
+      <p:par>
+        <p:cTn id="1" dur="indefinite" restart="never" nodeType="tmRoot">
+          <p:childTnLst>
+            <p:seq concurrent="1" nextAc="seek">
+              <p:cTn id="2" dur="indefinite" nodeType="mainSeq">
+                <p:childTnLst>
+                  <p:par>
+                    <p:cTn id="3" fill="hold">
+                      <p:stCondLst>
+                        <p:cond delay="indefinite"/>
+                      </p:stCondLst>
+                      <p:childTnLst>
+                        <p:par>
+                          <p:cTn id="4" fill="hold">
+                            <p:stCondLst>
+                              <p:cond delay="0"/>
+                            </p:stCondLst>
+                            <p:childTnLst>
+                              <p:par>
+                                <p:cTn id="5" presetID="1" presetClass="entr" presetSubtype="0" fill="hold" grpId="0" nodeType="clickEffect">
+                                  <p:stCondLst>
+                                    <p:cond delay="0"/>
+                                  </p:stCondLst>
+                                  <p:childTnLst>
+                                    <p:set>
+                                      <p:cBhvr>
+                                        <p:cTn id="6" dur="1" fill="hold">
+                                          <p:stCondLst>
+                                            <p:cond delay="0"/>
+                                          </p:stCondLst>
+                                        </p:cTn>
+                                        <p:tgtEl>
+                                          <p:spTgt spid="3">
+                                            <p:txEl>
+                                              <p:pRg st="0" end="0"/>
+                                            </p:txEl>
+                                          </p:spTgt>
+                                        </p:tgtEl>
+                                        <p:attrNameLst>
+                                          <p:attrName>style.visibility</p:attrName>
+                                        </p:attrNameLst>
+                                      </p:cBhvr>
+                                      <p:to>
+                                        <p:strVal val="visible"/>
+                                      </p:to>
+                                    </p:set>
+                                  </p:childTnLst>
+                                </p:cTn>
+                              </p:par>
+                              <p:par>
+                                <p:cTn id="7" presetID="1" presetClass="entr" presetSubtype="0" fill="hold" grpId="0" nodeType="withEffect">
+                                  <p:stCondLst>
+                                    <p:cond delay="0"/>
+                                  </p:stCondLst>
+                                  <p:childTnLst>
+                                    <p:set>
+                                      <p:cBhvr>
+                                        <p:cTn id="8" dur="1" fill="hold">
+                                          <p:stCondLst>
+                                            <p:cond delay="0"/>
+                                          </p:stCondLst>
+                                        </p:cTn>
+                                        <p:tgtEl>
+                                          <p:spTgt spid="3">
+                                            <p:txEl>
+                                              <p:pRg st="1" end="1"/>
+                                            </p:txEl>
+                                          </p:spTgt>
+                                        </p:tgtEl>
+                                        <p:attrNameLst>
+                                          <p:attrName>style.visibility</p:attrName>
+                                        </p:attrNameLst>
+                                      </p:cBhvr>
+                                      <p:to>
+                                        <p:strVal val="visible"/>
+                                      </p:to>
+                                    </p:set>
+                                  </p:childTnLst>
+                                </p:cTn>
+                              </p:par>
+                              <p:par>
+                                <p:cTn id="9" presetID="1" presetClass="entr" presetSubtype="0" fill="hold" grpId="0" nodeType="withEffect">
+                                  <p:stCondLst>
+                                    <p:cond delay="0"/>
+                                  </p:stCondLst>
+                                  <p:childTnLst>
+                                    <p:set>
+                                      <p:cBhvr>
+                                        <p:cTn id="10" dur="1" fill="hold">
+                                          <p:stCondLst>
+                                            <p:cond delay="0"/>
+                                          </p:stCondLst>
+                                        </p:cTn>
+                                        <p:tgtEl>
+                                          <p:spTgt spid="3">
+                                            <p:txEl>
+                                              <p:pRg st="2" end="2"/>
+                                            </p:txEl>
+                                          </p:spTgt>
+                                        </p:tgtEl>
+                                        <p:attrNameLst>
+                                          <p:attrName>style.visibility</p:attrName>
+                                        </p:attrNameLst>
+                                      </p:cBhvr>
+                                      <p:to>
+                                        <p:strVal val="visible"/>
+                                      </p:to>
+                                    </p:set>
+                                  </p:childTnLst>
+                                </p:cTn>
+                              </p:par>
+                              <p:par>
+                                <p:cTn id="11" presetID="1" presetClass="entr" presetSubtype="0" fill="hold" grpId="0" nodeType="withEffect">
+                                  <p:stCondLst>
+                                    <p:cond delay="0"/>
+                                  </p:stCondLst>
+                                  <p:childTnLst>
+                                    <p:set>
+                                      <p:cBhvr>
+                                        <p:cTn id="12" dur="1" fill="hold">
+                                          <p:stCondLst>
+                                            <p:cond delay="0"/>
+                                          </p:stCondLst>
+                                        </p:cTn>
+                                        <p:tgtEl>
+                                          <p:spTgt spid="3">
+                                            <p:txEl>
+                                              <p:pRg st="3" end="3"/>
+                                            </p:txEl>
+                                          </p:spTgt>
+                                        </p:tgtEl>
+                                        <p:attrNameLst>
+                                          <p:attrName>style.visibility</p:attrName>
+                                        </p:attrNameLst>
+                                      </p:cBhvr>
+                                      <p:to>
+                                        <p:strVal val="visible"/>
+                                      </p:to>
+                                    </p:set>
+                                  </p:childTnLst>
+                                </p:cTn>
+                              </p:par>
+                              <p:par>
+                                <p:cTn id="13" presetID="1" presetClass="entr" presetSubtype="0" fill="hold" grpId="0" nodeType="withEffect">
+                                  <p:stCondLst>
+                                    <p:cond delay="0"/>
+                                  </p:stCondLst>
+                                  <p:childTnLst>
+                                    <p:set>
+                                      <p:cBhvr>
+                                        <p:cTn id="14" dur="1" fill="hold">
+                                          <p:stCondLst>
+                                            <p:cond delay="0"/>
+                                          </p:stCondLst>
+                                        </p:cTn>
+                                        <p:tgtEl>
+                                          <p:spTgt spid="3">
+                                            <p:txEl>
+                                              <p:pRg st="4" end="4"/>
+                                            </p:txEl>
+                                          </p:spTgt>
+                                        </p:tgtEl>
+                                        <p:attrNameLst>
+                                          <p:attrName>style.visibility</p:attrName>
+                                        </p:attrNameLst>
+                                      </p:cBhvr>
+                                      <p:to>
+                                        <p:strVal val="visible"/>
+                                      </p:to>
+                                    </p:set>
+                                  </p:childTnLst>
+                                </p:cTn>
+                              </p:par>
+                            </p:childTnLst>
+                          </p:cTn>
+                        </p:par>
+                      </p:childTnLst>
+                    </p:cTn>
+                  </p:par>
+                  <p:par>
+                    <p:cTn id="15" fill="hold">
+                      <p:stCondLst>
+                        <p:cond delay="indefinite"/>
+                      </p:stCondLst>
+                      <p:childTnLst>
+                        <p:par>
+                          <p:cTn id="16" fill="hold">
+                            <p:stCondLst>
+                              <p:cond delay="0"/>
+                            </p:stCondLst>
+                            <p:childTnLst>
+                              <p:par>
+                                <p:cTn id="17" presetID="1" presetClass="entr" presetSubtype="0" fill="hold" grpId="0" nodeType="clickEffect">
+                                  <p:stCondLst>
+                                    <p:cond delay="0"/>
+                                  </p:stCondLst>
+                                  <p:childTnLst>
+                                    <p:set>
+                                      <p:cBhvr>
+                                        <p:cTn id="18" dur="1" fill="hold">
+                                          <p:stCondLst>
+                                            <p:cond delay="0"/>
+                                          </p:stCondLst>
+                                        </p:cTn>
+                                        <p:tgtEl>
+                                          <p:spTgt spid="3">
+                                            <p:txEl>
+                                              <p:pRg st="5" end="5"/>
+                                            </p:txEl>
+                                          </p:spTgt>
+                                        </p:tgtEl>
+                                        <p:attrNameLst>
+                                          <p:attrName>style.visibility</p:attrName>
+                                        </p:attrNameLst>
+                                      </p:cBhvr>
+                                      <p:to>
+                                        <p:strVal val="visible"/>
+                                      </p:to>
+                                    </p:set>
+                                  </p:childTnLst>
+                                </p:cTn>
+                              </p:par>
+                              <p:par>
+                                <p:cTn id="19" presetID="1" presetClass="entr" presetSubtype="0" fill="hold" grpId="0" nodeType="withEffect">
+                                  <p:stCondLst>
+                                    <p:cond delay="0"/>
+                                  </p:stCondLst>
+                                  <p:childTnLst>
+                                    <p:set>
+                                      <p:cBhvr>
+                                        <p:cTn id="20" dur="1" fill="hold">
+                                          <p:stCondLst>
+                                            <p:cond delay="0"/>
+                                          </p:stCondLst>
+                                        </p:cTn>
+                                        <p:tgtEl>
+                                          <p:spTgt spid="3">
+                                            <p:txEl>
+                                              <p:pRg st="6" end="6"/>
+                                            </p:txEl>
+                                          </p:spTgt>
+                                        </p:tgtEl>
+                                        <p:attrNameLst>
+                                          <p:attrName>style.visibility</p:attrName>
+                                        </p:attrNameLst>
+                                      </p:cBhvr>
+                                      <p:to>
+                                        <p:strVal val="visible"/>
+                                      </p:to>
+                                    </p:set>
+                                  </p:childTnLst>
+                                </p:cTn>
+                              </p:par>
+                              <p:par>
+                                <p:cTn id="21" presetID="1" presetClass="entr" presetSubtype="0" fill="hold" grpId="0" nodeType="withEffect">
+                                  <p:stCondLst>
+                                    <p:cond delay="0"/>
+                                  </p:stCondLst>
+                                  <p:childTnLst>
+                                    <p:set>
+                                      <p:cBhvr>
+                                        <p:cTn id="22" dur="1" fill="hold">
+                                          <p:stCondLst>
+                                            <p:cond delay="0"/>
+                                          </p:stCondLst>
+                                        </p:cTn>
+                                        <p:tgtEl>
+                                          <p:spTgt spid="3">
+                                            <p:txEl>
+                                              <p:pRg st="7" end="7"/>
+                                            </p:txEl>
+                                          </p:spTgt>
+                                        </p:tgtEl>
+                                        <p:attrNameLst>
+                                          <p:attrName>style.visibility</p:attrName>
+                                        </p:attrNameLst>
+                                      </p:cBhvr>
+                                      <p:to>
+                                        <p:strVal val="visible"/>
+                                      </p:to>
+                                    </p:set>
+                                  </p:childTnLst>
+                                </p:cTn>
+                              </p:par>
+                              <p:par>
+                                <p:cTn id="23" presetID="1" presetClass="entr" presetSubtype="0" fill="hold" grpId="0" nodeType="withEffect">
+                                  <p:stCondLst>
+                                    <p:cond delay="0"/>
+                                  </p:stCondLst>
+                                  <p:childTnLst>
+                                    <p:set>
+                                      <p:cBhvr>
+                                        <p:cTn id="24" dur="1" fill="hold">
+                                          <p:stCondLst>
+                                            <p:cond delay="0"/>
+                                          </p:stCondLst>
+                                        </p:cTn>
+                                        <p:tgtEl>
+                                          <p:spTgt spid="3">
+                                            <p:txEl>
+                                              <p:pRg st="8" end="8"/>
+                                            </p:txEl>
+                                          </p:spTgt>
+                                        </p:tgtEl>
+                                        <p:attrNameLst>
+                                          <p:attrName>style.visibility</p:attrName>
+                                        </p:attrNameLst>
+                                      </p:cBhvr>
+                                      <p:to>
+                                        <p:strVal val="visible"/>
+                                      </p:to>
+                                    </p:set>
+                                  </p:childTnLst>
+                                </p:cTn>
+                              </p:par>
+                              <p:par>
+                                <p:cTn id="25" presetID="1" presetClass="entr" presetSubtype="0" fill="hold" grpId="0" nodeType="withEffect">
+                                  <p:stCondLst>
+                                    <p:cond delay="0"/>
+                                  </p:stCondLst>
+                                  <p:childTnLst>
+                                    <p:set>
+                                      <p:cBhvr>
+                                        <p:cTn id="26" dur="1" fill="hold">
+                                          <p:stCondLst>
+                                            <p:cond delay="0"/>
+                                          </p:stCondLst>
+                                        </p:cTn>
+                                        <p:tgtEl>
+                                          <p:spTgt spid="3">
+                                            <p:txEl>
+                                              <p:pRg st="9" end="9"/>
+                                            </p:txEl>
+                                          </p:spTgt>
+                                        </p:tgtEl>
+                                        <p:attrNameLst>
+                                          <p:attrName>style.visibility</p:attrName>
+                                        </p:attrNameLst>
+                                      </p:cBhvr>
+                                      <p:to>
+                                        <p:strVal val="visible"/>
+                                      </p:to>
+                                    </p:set>
+                                  </p:childTnLst>
+                                </p:cTn>
+                              </p:par>
+                            </p:childTnLst>
+                          </p:cTn>
+                        </p:par>
+                      </p:childTnLst>
+                    </p:cTn>
+                  </p:par>
+                  <p:par>
+                    <p:cTn id="27" fill="hold">
+                      <p:stCondLst>
+                        <p:cond delay="indefinite"/>
+                      </p:stCondLst>
+                      <p:childTnLst>
+                        <p:par>
+                          <p:cTn id="28" fill="hold">
+                            <p:stCondLst>
+                              <p:cond delay="0"/>
+                            </p:stCondLst>
+                            <p:childTnLst>
+                              <p:par>
+                                <p:cTn id="29" presetID="1" presetClass="entr" presetSubtype="0" fill="hold" grpId="0" nodeType="clickEffect">
+                                  <p:stCondLst>
+                                    <p:cond delay="0"/>
+                                  </p:stCondLst>
+                                  <p:childTnLst>
+                                    <p:set>
+                                      <p:cBhvr>
+                                        <p:cTn id="30" dur="1" fill="hold">
+                                          <p:stCondLst>
+                                            <p:cond delay="0"/>
+                                          </p:stCondLst>
+                                        </p:cTn>
+                                        <p:tgtEl>
+                                          <p:spTgt spid="3">
+                                            <p:txEl>
+                                              <p:pRg st="10" end="10"/>
+                                            </p:txEl>
+                                          </p:spTgt>
+                                        </p:tgtEl>
+                                        <p:attrNameLst>
+                                          <p:attrName>style.visibility</p:attrName>
+                                        </p:attrNameLst>
+                                      </p:cBhvr>
+                                      <p:to>
+                                        <p:strVal val="visible"/>
+                                      </p:to>
+                                    </p:set>
+                                  </p:childTnLst>
+                                </p:cTn>
+                              </p:par>
+                            </p:childTnLst>
+                          </p:cTn>
+                        </p:par>
+                      </p:childTnLst>
+                    </p:cTn>
+                  </p:par>
+                </p:childTnLst>
+              </p:cTn>
+              <p:prevCondLst>
+                <p:cond evt="onPrev" delay="0">
+                  <p:tgtEl>
+                    <p:sldTgt/>
+                  </p:tgtEl>
+                </p:cond>
+              </p:prevCondLst>
+              <p:nextCondLst>
+                <p:cond evt="onNext" delay="0">
+                  <p:tgtEl>
+                    <p:sldTgt/>
+                  </p:tgtEl>
+                </p:cond>
+              </p:nextCondLst>
+            </p:seq>
+          </p:childTnLst>
+        </p:cTn>
+      </p:par>
+    </p:tnLst>
+    <p:bldLst>
+      <p:bldP spid="3" grpId="0" build="p"/>
+    </p:bldLst>
+  </p:timing>
 </p:sld>
 </file>
 
@@ -8415,6 +9674,545 @@
   <p:clrMapOvr>
     <a:masterClrMapping/>
   </p:clrMapOvr>
+  <p:timing>
+    <p:tnLst>
+      <p:par>
+        <p:cTn id="1" dur="indefinite" restart="never" nodeType="tmRoot">
+          <p:childTnLst>
+            <p:seq concurrent="1" nextAc="seek">
+              <p:cTn id="2" dur="indefinite" nodeType="mainSeq">
+                <p:childTnLst>
+                  <p:par>
+                    <p:cTn id="3" fill="hold">
+                      <p:stCondLst>
+                        <p:cond delay="indefinite"/>
+                      </p:stCondLst>
+                      <p:childTnLst>
+                        <p:par>
+                          <p:cTn id="4" fill="hold">
+                            <p:stCondLst>
+                              <p:cond delay="0"/>
+                            </p:stCondLst>
+                            <p:childTnLst>
+                              <p:par>
+                                <p:cTn id="5" presetID="1" presetClass="entr" presetSubtype="0" fill="hold" grpId="0" nodeType="clickEffect">
+                                  <p:stCondLst>
+                                    <p:cond delay="0"/>
+                                  </p:stCondLst>
+                                  <p:childTnLst>
+                                    <p:set>
+                                      <p:cBhvr>
+                                        <p:cTn id="6" dur="1" fill="hold">
+                                          <p:stCondLst>
+                                            <p:cond delay="0"/>
+                                          </p:stCondLst>
+                                        </p:cTn>
+                                        <p:tgtEl>
+                                          <p:spTgt spid="3">
+                                            <p:txEl>
+                                              <p:pRg st="0" end="0"/>
+                                            </p:txEl>
+                                          </p:spTgt>
+                                        </p:tgtEl>
+                                        <p:attrNameLst>
+                                          <p:attrName>style.visibility</p:attrName>
+                                        </p:attrNameLst>
+                                      </p:cBhvr>
+                                      <p:to>
+                                        <p:strVal val="visible"/>
+                                      </p:to>
+                                    </p:set>
+                                  </p:childTnLst>
+                                </p:cTn>
+                              </p:par>
+                            </p:childTnLst>
+                          </p:cTn>
+                        </p:par>
+                      </p:childTnLst>
+                    </p:cTn>
+                  </p:par>
+                  <p:par>
+                    <p:cTn id="7" fill="hold">
+                      <p:stCondLst>
+                        <p:cond delay="indefinite"/>
+                      </p:stCondLst>
+                      <p:childTnLst>
+                        <p:par>
+                          <p:cTn id="8" fill="hold">
+                            <p:stCondLst>
+                              <p:cond delay="0"/>
+                            </p:stCondLst>
+                            <p:childTnLst>
+                              <p:par>
+                                <p:cTn id="9" presetID="1" presetClass="entr" presetSubtype="0" fill="hold" grpId="0" nodeType="clickEffect">
+                                  <p:stCondLst>
+                                    <p:cond delay="0"/>
+                                  </p:stCondLst>
+                                  <p:childTnLst>
+                                    <p:set>
+                                      <p:cBhvr>
+                                        <p:cTn id="10" dur="1" fill="hold">
+                                          <p:stCondLst>
+                                            <p:cond delay="0"/>
+                                          </p:stCondLst>
+                                        </p:cTn>
+                                        <p:tgtEl>
+                                          <p:spTgt spid="3">
+                                            <p:txEl>
+                                              <p:pRg st="1" end="1"/>
+                                            </p:txEl>
+                                          </p:spTgt>
+                                        </p:tgtEl>
+                                        <p:attrNameLst>
+                                          <p:attrName>style.visibility</p:attrName>
+                                        </p:attrNameLst>
+                                      </p:cBhvr>
+                                      <p:to>
+                                        <p:strVal val="visible"/>
+                                      </p:to>
+                                    </p:set>
+                                  </p:childTnLst>
+                                </p:cTn>
+                              </p:par>
+                              <p:par>
+                                <p:cTn id="11" presetID="1" presetClass="entr" presetSubtype="0" fill="hold" grpId="0" nodeType="withEffect">
+                                  <p:stCondLst>
+                                    <p:cond delay="0"/>
+                                  </p:stCondLst>
+                                  <p:childTnLst>
+                                    <p:set>
+                                      <p:cBhvr>
+                                        <p:cTn id="12" dur="1" fill="hold">
+                                          <p:stCondLst>
+                                            <p:cond delay="0"/>
+                                          </p:stCondLst>
+                                        </p:cTn>
+                                        <p:tgtEl>
+                                          <p:spTgt spid="3">
+                                            <p:txEl>
+                                              <p:pRg st="2" end="2"/>
+                                            </p:txEl>
+                                          </p:spTgt>
+                                        </p:tgtEl>
+                                        <p:attrNameLst>
+                                          <p:attrName>style.visibility</p:attrName>
+                                        </p:attrNameLst>
+                                      </p:cBhvr>
+                                      <p:to>
+                                        <p:strVal val="visible"/>
+                                      </p:to>
+                                    </p:set>
+                                  </p:childTnLst>
+                                </p:cTn>
+                              </p:par>
+                              <p:par>
+                                <p:cTn id="13" presetID="1" presetClass="entr" presetSubtype="0" fill="hold" grpId="0" nodeType="withEffect">
+                                  <p:stCondLst>
+                                    <p:cond delay="0"/>
+                                  </p:stCondLst>
+                                  <p:childTnLst>
+                                    <p:set>
+                                      <p:cBhvr>
+                                        <p:cTn id="14" dur="1" fill="hold">
+                                          <p:stCondLst>
+                                            <p:cond delay="0"/>
+                                          </p:stCondLst>
+                                        </p:cTn>
+                                        <p:tgtEl>
+                                          <p:spTgt spid="3">
+                                            <p:txEl>
+                                              <p:pRg st="3" end="3"/>
+                                            </p:txEl>
+                                          </p:spTgt>
+                                        </p:tgtEl>
+                                        <p:attrNameLst>
+                                          <p:attrName>style.visibility</p:attrName>
+                                        </p:attrNameLst>
+                                      </p:cBhvr>
+                                      <p:to>
+                                        <p:strVal val="visible"/>
+                                      </p:to>
+                                    </p:set>
+                                  </p:childTnLst>
+                                </p:cTn>
+                              </p:par>
+                              <p:par>
+                                <p:cTn id="15" presetID="1" presetClass="entr" presetSubtype="0" fill="hold" grpId="0" nodeType="withEffect">
+                                  <p:stCondLst>
+                                    <p:cond delay="0"/>
+                                  </p:stCondLst>
+                                  <p:childTnLst>
+                                    <p:set>
+                                      <p:cBhvr>
+                                        <p:cTn id="16" dur="1" fill="hold">
+                                          <p:stCondLst>
+                                            <p:cond delay="0"/>
+                                          </p:stCondLst>
+                                        </p:cTn>
+                                        <p:tgtEl>
+                                          <p:spTgt spid="3">
+                                            <p:txEl>
+                                              <p:pRg st="4" end="4"/>
+                                            </p:txEl>
+                                          </p:spTgt>
+                                        </p:tgtEl>
+                                        <p:attrNameLst>
+                                          <p:attrName>style.visibility</p:attrName>
+                                        </p:attrNameLst>
+                                      </p:cBhvr>
+                                      <p:to>
+                                        <p:strVal val="visible"/>
+                                      </p:to>
+                                    </p:set>
+                                  </p:childTnLst>
+                                </p:cTn>
+                              </p:par>
+                            </p:childTnLst>
+                          </p:cTn>
+                        </p:par>
+                      </p:childTnLst>
+                    </p:cTn>
+                  </p:par>
+                  <p:par>
+                    <p:cTn id="17" fill="hold">
+                      <p:stCondLst>
+                        <p:cond delay="indefinite"/>
+                      </p:stCondLst>
+                      <p:childTnLst>
+                        <p:par>
+                          <p:cTn id="18" fill="hold">
+                            <p:stCondLst>
+                              <p:cond delay="0"/>
+                            </p:stCondLst>
+                            <p:childTnLst>
+                              <p:par>
+                                <p:cTn id="19" presetID="1" presetClass="entr" presetSubtype="0" fill="hold" grpId="0" nodeType="clickEffect">
+                                  <p:stCondLst>
+                                    <p:cond delay="0"/>
+                                  </p:stCondLst>
+                                  <p:childTnLst>
+                                    <p:set>
+                                      <p:cBhvr>
+                                        <p:cTn id="20" dur="1" fill="hold">
+                                          <p:stCondLst>
+                                            <p:cond delay="0"/>
+                                          </p:stCondLst>
+                                        </p:cTn>
+                                        <p:tgtEl>
+                                          <p:spTgt spid="3">
+                                            <p:txEl>
+                                              <p:pRg st="5" end="5"/>
+                                            </p:txEl>
+                                          </p:spTgt>
+                                        </p:tgtEl>
+                                        <p:attrNameLst>
+                                          <p:attrName>style.visibility</p:attrName>
+                                        </p:attrNameLst>
+                                      </p:cBhvr>
+                                      <p:to>
+                                        <p:strVal val="visible"/>
+                                      </p:to>
+                                    </p:set>
+                                  </p:childTnLst>
+                                </p:cTn>
+                              </p:par>
+                              <p:par>
+                                <p:cTn id="21" presetID="1" presetClass="entr" presetSubtype="0" fill="hold" grpId="0" nodeType="withEffect">
+                                  <p:stCondLst>
+                                    <p:cond delay="0"/>
+                                  </p:stCondLst>
+                                  <p:childTnLst>
+                                    <p:set>
+                                      <p:cBhvr>
+                                        <p:cTn id="22" dur="1" fill="hold">
+                                          <p:stCondLst>
+                                            <p:cond delay="0"/>
+                                          </p:stCondLst>
+                                        </p:cTn>
+                                        <p:tgtEl>
+                                          <p:spTgt spid="3">
+                                            <p:txEl>
+                                              <p:pRg st="6" end="6"/>
+                                            </p:txEl>
+                                          </p:spTgt>
+                                        </p:tgtEl>
+                                        <p:attrNameLst>
+                                          <p:attrName>style.visibility</p:attrName>
+                                        </p:attrNameLst>
+                                      </p:cBhvr>
+                                      <p:to>
+                                        <p:strVal val="visible"/>
+                                      </p:to>
+                                    </p:set>
+                                  </p:childTnLst>
+                                </p:cTn>
+                              </p:par>
+                              <p:par>
+                                <p:cTn id="23" presetID="1" presetClass="entr" presetSubtype="0" fill="hold" grpId="0" nodeType="withEffect">
+                                  <p:stCondLst>
+                                    <p:cond delay="0"/>
+                                  </p:stCondLst>
+                                  <p:childTnLst>
+                                    <p:set>
+                                      <p:cBhvr>
+                                        <p:cTn id="24" dur="1" fill="hold">
+                                          <p:stCondLst>
+                                            <p:cond delay="0"/>
+                                          </p:stCondLst>
+                                        </p:cTn>
+                                        <p:tgtEl>
+                                          <p:spTgt spid="3">
+                                            <p:txEl>
+                                              <p:pRg st="7" end="7"/>
+                                            </p:txEl>
+                                          </p:spTgt>
+                                        </p:tgtEl>
+                                        <p:attrNameLst>
+                                          <p:attrName>style.visibility</p:attrName>
+                                        </p:attrNameLst>
+                                      </p:cBhvr>
+                                      <p:to>
+                                        <p:strVal val="visible"/>
+                                      </p:to>
+                                    </p:set>
+                                  </p:childTnLst>
+                                </p:cTn>
+                              </p:par>
+                            </p:childTnLst>
+                          </p:cTn>
+                        </p:par>
+                      </p:childTnLst>
+                    </p:cTn>
+                  </p:par>
+                  <p:par>
+                    <p:cTn id="25" fill="hold">
+                      <p:stCondLst>
+                        <p:cond delay="indefinite"/>
+                      </p:stCondLst>
+                      <p:childTnLst>
+                        <p:par>
+                          <p:cTn id="26" fill="hold">
+                            <p:stCondLst>
+                              <p:cond delay="0"/>
+                            </p:stCondLst>
+                            <p:childTnLst>
+                              <p:par>
+                                <p:cTn id="27" presetID="1" presetClass="entr" presetSubtype="0" fill="hold" grpId="0" nodeType="clickEffect">
+                                  <p:stCondLst>
+                                    <p:cond delay="0"/>
+                                  </p:stCondLst>
+                                  <p:childTnLst>
+                                    <p:set>
+                                      <p:cBhvr>
+                                        <p:cTn id="28" dur="1" fill="hold">
+                                          <p:stCondLst>
+                                            <p:cond delay="0"/>
+                                          </p:stCondLst>
+                                        </p:cTn>
+                                        <p:tgtEl>
+                                          <p:spTgt spid="3">
+                                            <p:txEl>
+                                              <p:pRg st="8" end="8"/>
+                                            </p:txEl>
+                                          </p:spTgt>
+                                        </p:tgtEl>
+                                        <p:attrNameLst>
+                                          <p:attrName>style.visibility</p:attrName>
+                                        </p:attrNameLst>
+                                      </p:cBhvr>
+                                      <p:to>
+                                        <p:strVal val="visible"/>
+                                      </p:to>
+                                    </p:set>
+                                  </p:childTnLst>
+                                </p:cTn>
+                              </p:par>
+                              <p:par>
+                                <p:cTn id="29" presetID="1" presetClass="entr" presetSubtype="0" fill="hold" grpId="0" nodeType="withEffect">
+                                  <p:stCondLst>
+                                    <p:cond delay="0"/>
+                                  </p:stCondLst>
+                                  <p:childTnLst>
+                                    <p:set>
+                                      <p:cBhvr>
+                                        <p:cTn id="30" dur="1" fill="hold">
+                                          <p:stCondLst>
+                                            <p:cond delay="0"/>
+                                          </p:stCondLst>
+                                        </p:cTn>
+                                        <p:tgtEl>
+                                          <p:spTgt spid="3">
+                                            <p:txEl>
+                                              <p:pRg st="9" end="9"/>
+                                            </p:txEl>
+                                          </p:spTgt>
+                                        </p:tgtEl>
+                                        <p:attrNameLst>
+                                          <p:attrName>style.visibility</p:attrName>
+                                        </p:attrNameLst>
+                                      </p:cBhvr>
+                                      <p:to>
+                                        <p:strVal val="visible"/>
+                                      </p:to>
+                                    </p:set>
+                                  </p:childTnLst>
+                                </p:cTn>
+                              </p:par>
+                              <p:par>
+                                <p:cTn id="31" presetID="1" presetClass="entr" presetSubtype="0" fill="hold" grpId="0" nodeType="withEffect">
+                                  <p:stCondLst>
+                                    <p:cond delay="0"/>
+                                  </p:stCondLst>
+                                  <p:childTnLst>
+                                    <p:set>
+                                      <p:cBhvr>
+                                        <p:cTn id="32" dur="1" fill="hold">
+                                          <p:stCondLst>
+                                            <p:cond delay="0"/>
+                                          </p:stCondLst>
+                                        </p:cTn>
+                                        <p:tgtEl>
+                                          <p:spTgt spid="3">
+                                            <p:txEl>
+                                              <p:pRg st="10" end="10"/>
+                                            </p:txEl>
+                                          </p:spTgt>
+                                        </p:tgtEl>
+                                        <p:attrNameLst>
+                                          <p:attrName>style.visibility</p:attrName>
+                                        </p:attrNameLst>
+                                      </p:cBhvr>
+                                      <p:to>
+                                        <p:strVal val="visible"/>
+                                      </p:to>
+                                    </p:set>
+                                  </p:childTnLst>
+                                </p:cTn>
+                              </p:par>
+                              <p:par>
+                                <p:cTn id="33" presetID="1" presetClass="entr" presetSubtype="0" fill="hold" grpId="0" nodeType="withEffect">
+                                  <p:stCondLst>
+                                    <p:cond delay="0"/>
+                                  </p:stCondLst>
+                                  <p:childTnLst>
+                                    <p:set>
+                                      <p:cBhvr>
+                                        <p:cTn id="34" dur="1" fill="hold">
+                                          <p:stCondLst>
+                                            <p:cond delay="0"/>
+                                          </p:stCondLst>
+                                        </p:cTn>
+                                        <p:tgtEl>
+                                          <p:spTgt spid="3">
+                                            <p:txEl>
+                                              <p:pRg st="11" end="11"/>
+                                            </p:txEl>
+                                          </p:spTgt>
+                                        </p:tgtEl>
+                                        <p:attrNameLst>
+                                          <p:attrName>style.visibility</p:attrName>
+                                        </p:attrNameLst>
+                                      </p:cBhvr>
+                                      <p:to>
+                                        <p:strVal val="visible"/>
+                                      </p:to>
+                                    </p:set>
+                                  </p:childTnLst>
+                                </p:cTn>
+                              </p:par>
+                              <p:par>
+                                <p:cTn id="35" presetID="1" presetClass="entr" presetSubtype="0" fill="hold" grpId="0" nodeType="withEffect">
+                                  <p:stCondLst>
+                                    <p:cond delay="0"/>
+                                  </p:stCondLst>
+                                  <p:childTnLst>
+                                    <p:set>
+                                      <p:cBhvr>
+                                        <p:cTn id="36" dur="1" fill="hold">
+                                          <p:stCondLst>
+                                            <p:cond delay="0"/>
+                                          </p:stCondLst>
+                                        </p:cTn>
+                                        <p:tgtEl>
+                                          <p:spTgt spid="3">
+                                            <p:txEl>
+                                              <p:pRg st="12" end="12"/>
+                                            </p:txEl>
+                                          </p:spTgt>
+                                        </p:tgtEl>
+                                        <p:attrNameLst>
+                                          <p:attrName>style.visibility</p:attrName>
+                                        </p:attrNameLst>
+                                      </p:cBhvr>
+                                      <p:to>
+                                        <p:strVal val="visible"/>
+                                      </p:to>
+                                    </p:set>
+                                  </p:childTnLst>
+                                </p:cTn>
+                              </p:par>
+                              <p:par>
+                                <p:cTn id="37" presetID="1" presetClass="entr" presetSubtype="0" fill="hold" grpId="0" nodeType="withEffect">
+                                  <p:stCondLst>
+                                    <p:cond delay="0"/>
+                                  </p:stCondLst>
+                                  <p:childTnLst>
+                                    <p:set>
+                                      <p:cBhvr>
+                                        <p:cTn id="38" dur="1" fill="hold">
+                                          <p:stCondLst>
+                                            <p:cond delay="0"/>
+                                          </p:stCondLst>
+                                        </p:cTn>
+                                        <p:tgtEl>
+                                          <p:spTgt spid="3">
+                                            <p:txEl>
+                                              <p:pRg st="13" end="13"/>
+                                            </p:txEl>
+                                          </p:spTgt>
+                                        </p:tgtEl>
+                                        <p:attrNameLst>
+                                          <p:attrName>style.visibility</p:attrName>
+                                        </p:attrNameLst>
+                                      </p:cBhvr>
+                                      <p:to>
+                                        <p:strVal val="visible"/>
+                                      </p:to>
+                                    </p:set>
+                                  </p:childTnLst>
+                                </p:cTn>
+                              </p:par>
+                            </p:childTnLst>
+                          </p:cTn>
+                        </p:par>
+                      </p:childTnLst>
+                    </p:cTn>
+                  </p:par>
+                </p:childTnLst>
+              </p:cTn>
+              <p:prevCondLst>
+                <p:cond evt="onPrev" delay="0">
+                  <p:tgtEl>
+                    <p:sldTgt/>
+                  </p:tgtEl>
+                </p:cond>
+              </p:prevCondLst>
+              <p:nextCondLst>
+                <p:cond evt="onNext" delay="0">
+                  <p:tgtEl>
+                    <p:sldTgt/>
+                  </p:tgtEl>
+                </p:cond>
+              </p:nextCondLst>
+            </p:seq>
+          </p:childTnLst>
+        </p:cTn>
+      </p:par>
+    </p:tnLst>
+    <p:bldLst>
+      <p:bldP spid="3" grpId="0" build="p"/>
+    </p:bldLst>
+  </p:timing>
 </p:sld>
 </file>
 

--- a/1. From Data Science to Production with Kotlin/oreilly_from_data_science_to_production_with_kotlin.pptx
+++ b/1. From Data Science to Production with Kotlin/oreilly_from_data_science_to_production_with_kotlin.pptx
@@ -8220,7 +8220,7 @@
         <p:spPr/>
         <p:txBody>
           <a:bodyPr vert="horz" lIns="0" tIns="45720" rIns="0" bIns="45720" rtlCol="0" anchor="t">
-            <a:normAutofit lnSpcReduction="10000"/>
+            <a:normAutofit fontScale="92500"/>
           </a:bodyPr>
           <a:lstStyle/>
           <a:p>
@@ -8335,6 +8335,18 @@
             <a:r>
               <a:rPr lang="en-US" dirty="0"/>
               <a:t>Between Google and JetBrains’ long-term commitment, it is clear Kotlin has a bright future and is poised to take on multiple technology domains. </a:t>
+            </a:r>
+          </a:p>
+          <a:p>
+            <a:pPr marL="742950" lvl="1" indent="-285750">
+              <a:lnSpc>
+                <a:spcPct val="100000"/>
+              </a:lnSpc>
+              <a:buChar char="•"/>
+            </a:pPr>
+            <a:r>
+              <a:rPr lang="en-US" dirty="0"/>
+              <a:t>Kotlin is also positioning itself beyond the JVM, including JavaScript and LLVM. </a:t>
             </a:r>
           </a:p>
           <a:p>
@@ -8584,6 +8596,37 @@
                                           <p:spTgt spid="3">
                                             <p:txEl>
                                               <p:pRg st="7" end="7"/>
+                                            </p:txEl>
+                                          </p:spTgt>
+                                        </p:tgtEl>
+                                        <p:attrNameLst>
+                                          <p:attrName>style.visibility</p:attrName>
+                                        </p:attrNameLst>
+                                      </p:cBhvr>
+                                      <p:to>
+                                        <p:strVal val="visible"/>
+                                      </p:to>
+                                    </p:set>
+                                  </p:childTnLst>
+                                </p:cTn>
+                              </p:par>
+                              <p:par>
+                                <p:cTn id="19" presetID="1" presetClass="entr" presetSubtype="0" fill="hold" grpId="0" nodeType="withEffect">
+                                  <p:stCondLst>
+                                    <p:cond delay="0"/>
+                                  </p:stCondLst>
+                                  <p:childTnLst>
+                                    <p:set>
+                                      <p:cBhvr>
+                                        <p:cTn id="20" dur="1" fill="hold">
+                                          <p:stCondLst>
+                                            <p:cond delay="0"/>
+                                          </p:stCondLst>
+                                        </p:cTn>
+                                        <p:tgtEl>
+                                          <p:spTgt spid="3">
+                                            <p:txEl>
+                                              <p:pRg st="8" end="8"/>
                                             </p:txEl>
                                           </p:spTgt>
                                         </p:tgtEl>

--- a/1. From Data Science to Production with Kotlin/oreilly_from_data_science_to_production_with_kotlin.pptx
+++ b/1. From Data Science to Production with Kotlin/oreilly_from_data_science_to_production_with_kotlin.pptx
@@ -8069,6 +8069,40 @@
               <a:rPr lang="en-US" dirty="0"/>
               <a:t>Collections</a:t>
             </a:r>
+          </a:p>
+          <a:p>
+            <a:pPr marL="342900" indent="-342900">
+              <a:lnSpc>
+                <a:spcPct val="100000"/>
+              </a:lnSpc>
+              <a:buChar char="•"/>
+            </a:pPr>
+            <a:endParaRPr lang="en-US" dirty="0"/>
+          </a:p>
+          <a:p>
+            <a:pPr marL="0" indent="0">
+              <a:lnSpc>
+                <a:spcPct val="100000"/>
+              </a:lnSpc>
+              <a:buNone/>
+            </a:pPr>
+            <a:r>
+              <a:rPr lang="en-US" i="1" dirty="0"/>
+              <a:t>Course is continued in </a:t>
+            </a:r>
+            <a:r>
+              <a:rPr lang="en-US" b="1" i="1" dirty="0">
+                <a:solidFill>
+                  <a:srgbClr val="FF0000"/>
+                </a:solidFill>
+              </a:rPr>
+              <a:t>Practical Data Modeling for Production with Kotlin</a:t>
+            </a:r>
+            <a:r>
+              <a:rPr lang="en-US" i="1" dirty="0"/>
+              <a:t>. </a:t>
+            </a:r>
+            <a:endParaRPr lang="en-US" dirty="0"/>
           </a:p>
           <a:p>
             <a:endParaRPr lang="en-US" dirty="0"/>

--- a/1. From Data Science to Production with Kotlin/oreilly_from_data_science_to_production_with_kotlin.pptx
+++ b/1. From Data Science to Production with Kotlin/oreilly_from_data_science_to_production_with_kotlin.pptx
@@ -5,7 +5,7 @@
     <p:sldMasterId id="2147483648" r:id="rId1"/>
   </p:sldMasterIdLst>
   <p:notesMasterIdLst>
-    <p:notesMasterId r:id="rId25"/>
+    <p:notesMasterId r:id="rId26"/>
   </p:notesMasterIdLst>
   <p:sldIdLst>
     <p:sldId id="256" r:id="rId2"/>
@@ -31,6 +31,7 @@
     <p:sldId id="276" r:id="rId22"/>
     <p:sldId id="277" r:id="rId23"/>
     <p:sldId id="279" r:id="rId24"/>
+    <p:sldId id="280" r:id="rId25"/>
   </p:sldIdLst>
   <p:sldSz cx="12192000" cy="6858000"/>
   <p:notesSz cx="6858000" cy="9144000"/>
@@ -223,7 +224,7 @@
           <a:p>
             <a:fld id="{D68E09DD-A271-4E46-9B09-7316EE422583}" type="datetimeFigureOut">
               <a:rPr lang="en-US"/>
-              <a:t>9/3/2017</a:t>
+              <a:t>9/4/2017</a:t>
             </a:fld>
             <a:endParaRPr lang="en-US"/>
           </a:p>
@@ -800,7 +801,7 @@
           <a:p>
             <a:fld id="{4BDF68E2-58F2-4D09-BE8B-E3BD06533059}" type="datetimeFigureOut">
               <a:rPr lang="en-US" dirty="0"/>
-              <a:t>9/3/2017</a:t>
+              <a:t>9/4/2017</a:t>
             </a:fld>
             <a:endParaRPr lang="en-US" dirty="0"/>
           </a:p>
@@ -1003,7 +1004,7 @@
           <a:p>
             <a:fld id="{2E2D6473-DF6D-4702-B328-E0DD40540A4E}" type="datetimeFigureOut">
               <a:rPr lang="en-US" dirty="0"/>
-              <a:t>9/3/2017</a:t>
+              <a:t>9/4/2017</a:t>
             </a:fld>
             <a:endParaRPr lang="en-US" dirty="0"/>
           </a:p>
@@ -1254,7 +1255,7 @@
           <a:p>
             <a:fld id="{E26F7E3A-B166-407D-9866-32884E7D5B37}" type="datetimeFigureOut">
               <a:rPr lang="en-US" dirty="0"/>
-              <a:t>9/3/2017</a:t>
+              <a:t>9/4/2017</a:t>
             </a:fld>
             <a:endParaRPr lang="en-US" dirty="0"/>
           </a:p>
@@ -1423,7 +1424,7 @@
           <a:p>
             <a:fld id="{528FC5F6-F338-4AE4-BB23-26385BCFC423}" type="datetimeFigureOut">
               <a:rPr lang="en-US" dirty="0"/>
-              <a:t>9/3/2017</a:t>
+              <a:t>9/4/2017</a:t>
             </a:fld>
             <a:endParaRPr lang="en-US" dirty="0"/>
           </a:p>
@@ -1761,7 +1762,7 @@
           <a:p>
             <a:fld id="{20EBB0C4-6273-4C6E-B9BD-2EDC30F1CD52}" type="datetimeFigureOut">
               <a:rPr lang="en-US" dirty="0"/>
-              <a:t>9/3/2017</a:t>
+              <a:t>9/4/2017</a:t>
             </a:fld>
             <a:endParaRPr lang="en-US" dirty="0"/>
           </a:p>
@@ -2031,7 +2032,7 @@
           <a:p>
             <a:fld id="{19AB4D41-86C1-4908-B66A-0B50CEB3BF29}" type="datetimeFigureOut">
               <a:rPr lang="en-US" dirty="0"/>
-              <a:t>9/3/2017</a:t>
+              <a:t>9/4/2017</a:t>
             </a:fld>
             <a:endParaRPr lang="en-US" dirty="0"/>
           </a:p>
@@ -2405,7 +2406,7 @@
           <a:p>
             <a:fld id="{E6426E2C-56C1-4E0D-A793-0088A7FDD37E}" type="datetimeFigureOut">
               <a:rPr lang="en-US" dirty="0"/>
-              <a:t>9/3/2017</a:t>
+              <a:t>9/4/2017</a:t>
             </a:fld>
             <a:endParaRPr lang="en-US" dirty="0"/>
           </a:p>
@@ -2518,7 +2519,7 @@
           <a:p>
             <a:fld id="{C8C39B41-D8B5-4052-B551-9B5525EAA8B6}" type="datetimeFigureOut">
               <a:rPr lang="en-US" dirty="0"/>
-              <a:t>9/3/2017</a:t>
+              <a:t>9/4/2017</a:t>
             </a:fld>
             <a:endParaRPr lang="en-US" dirty="0"/>
           </a:p>
@@ -2684,7 +2685,7 @@
           <a:p>
             <a:fld id="{4D94136C-8742-45B2-AF27-D93DF72833A9}" type="datetimeFigureOut">
               <a:rPr lang="en-US" dirty="0"/>
-              <a:t>9/3/2017</a:t>
+              <a:t>9/4/2017</a:t>
             </a:fld>
             <a:endParaRPr lang="en-US" dirty="0"/>
           </a:p>
@@ -3034,7 +3035,7 @@
           <a:p>
             <a:fld id="{32ABBEA6-7C60-4B02-AE87-00D78D8422AF}" type="datetimeFigureOut">
               <a:rPr lang="en-US" dirty="0"/>
-              <a:t>9/3/2017</a:t>
+              <a:t>9/4/2017</a:t>
             </a:fld>
             <a:endParaRPr lang="en-US" dirty="0"/>
           </a:p>
@@ -3409,7 +3410,7 @@
           <a:p>
             <a:fld id="{C9CAD897-D46E-4AD2-BD9B-49DD3E640873}" type="datetimeFigureOut">
               <a:rPr lang="en-US" dirty="0"/>
-              <a:t>9/3/2017</a:t>
+              <a:t>9/4/2017</a:t>
             </a:fld>
             <a:endParaRPr lang="en-US" dirty="0"/>
           </a:p>
@@ -3691,7 +3692,7 @@
           <a:p>
             <a:fld id="{98624D31-43A5-475A-80CF-332C9F6DCF35}" type="datetimeFigureOut">
               <a:rPr lang="en-US" dirty="0"/>
-              <a:t>9/3/2017</a:t>
+              <a:t>9/4/2017</a:t>
             </a:fld>
             <a:endParaRPr lang="en-US" dirty="0"/>
           </a:p>
@@ -5348,14 +5349,13 @@
               <a:buChar char="•"/>
             </a:pPr>
             <a:r>
-              <a:rPr lang="en-US" err="1"/>
+              <a:rPr lang="en-US" dirty="0" err="1"/>
               <a:t>Intellj</a:t>
             </a:r>
             <a:r>
               <a:rPr lang="en-US" dirty="0"/>
               <a:t> IDEA Community Edition – IDE for Java, Kotlin, and Scala</a:t>
             </a:r>
-            <a:endParaRPr lang="en-US"/>
           </a:p>
           <a:p>
             <a:pPr marL="292100" lvl="1" indent="0">
@@ -6776,7 +6776,22 @@
             <a:pPr marL="0" indent="0">
               <a:buNone/>
             </a:pPr>
-            <a:endParaRPr lang="en-US" i="1" dirty="0"/>
+            <a:r>
+              <a:rPr lang="en-US" b="1" i="1" dirty="0"/>
+              <a:t>From Data Science to Production with Kotlin </a:t>
+            </a:r>
+            <a:r>
+              <a:rPr lang="en-US" i="1" dirty="0"/>
+              <a:t>will cover the fundamentals of the Kotlin language, while </a:t>
+            </a:r>
+            <a:r>
+              <a:rPr lang="en-US" b="1" i="1" dirty="0"/>
+              <a:t>Practical Data Modeling for Production with Kotlin</a:t>
+            </a:r>
+            <a:r>
+              <a:rPr lang="en-US" i="1" dirty="0"/>
+              <a:t> will expand on advanced features and practical applications. </a:t>
+            </a:r>
           </a:p>
         </p:txBody>
       </p:sp>
@@ -7801,7 +7816,7 @@
               </a:rPr>
               <a:t>which includes topics such as:</a:t>
             </a:r>
-            <a:endParaRPr lang="en-US" i="1">
+            <a:endParaRPr lang="en-US" i="1" dirty="0">
               <a:solidFill>
                 <a:srgbClr val="3F3F3F"/>
               </a:solidFill>
@@ -7947,6 +7962,220 @@
     <p:extLst>
       <p:ext uri="{BB962C8B-B14F-4D97-AF65-F5344CB8AC3E}">
         <p14:creationId xmlns:p14="http://schemas.microsoft.com/office/powerpoint/2010/main" val="3713486272"/>
+      </p:ext>
+    </p:extLst>
+  </p:cSld>
+  <p:clrMapOvr>
+    <a:masterClrMapping/>
+  </p:clrMapOvr>
+</p:sld>
+</file>
+
+<file path=ppt/slides/slide24.xml><?xml version="1.0" encoding="utf-8"?>
+<p:sld xmlns:a="http://schemas.openxmlformats.org/drawingml/2006/main" xmlns:r="http://schemas.openxmlformats.org/officeDocument/2006/relationships" xmlns:p="http://schemas.openxmlformats.org/presentationml/2006/main">
+  <p:cSld>
+    <p:spTree>
+      <p:nvGrpSpPr>
+        <p:cNvPr id="1" name=""/>
+        <p:cNvGrpSpPr/>
+        <p:nvPr/>
+      </p:nvGrpSpPr>
+      <p:grpSpPr>
+        <a:xfrm>
+          <a:off x="0" y="0"/>
+          <a:ext cx="0" cy="0"/>
+          <a:chOff x="0" y="0"/>
+          <a:chExt cx="0" cy="0"/>
+        </a:xfrm>
+      </p:grpSpPr>
+      <p:sp>
+        <p:nvSpPr>
+          <p:cNvPr id="2" name="Title 1">
+            <a:extLst>
+              <a:ext uri="{FF2B5EF4-FFF2-40B4-BE49-F238E27FC236}">
+                <a16:creationId xmlns:a16="http://schemas.microsoft.com/office/drawing/2014/main" id="{87168E4A-F0D5-4D35-9046-6D106E2A5263}"/>
+              </a:ext>
+            </a:extLst>
+          </p:cNvPr>
+          <p:cNvSpPr>
+            <a:spLocks noGrp="1"/>
+          </p:cNvSpPr>
+          <p:nvPr>
+            <p:ph type="title"/>
+          </p:nvPr>
+        </p:nvSpPr>
+        <p:spPr/>
+        <p:txBody>
+          <a:bodyPr/>
+          <a:lstStyle/>
+          <a:p>
+            <a:r>
+              <a:rPr lang="en-US" dirty="0"/>
+              <a:t>Resources</a:t>
+            </a:r>
+          </a:p>
+        </p:txBody>
+      </p:sp>
+      <p:sp>
+        <p:nvSpPr>
+          <p:cNvPr id="3" name="Content Placeholder 2">
+            <a:extLst>
+              <a:ext uri="{FF2B5EF4-FFF2-40B4-BE49-F238E27FC236}">
+                <a16:creationId xmlns:a16="http://schemas.microsoft.com/office/drawing/2014/main" id="{0216C73E-3461-434B-9F5E-0EDE2E194843}"/>
+              </a:ext>
+            </a:extLst>
+          </p:cNvPr>
+          <p:cNvSpPr>
+            <a:spLocks noGrp="1"/>
+          </p:cNvSpPr>
+          <p:nvPr>
+            <p:ph idx="1"/>
+          </p:nvPr>
+        </p:nvSpPr>
+        <p:spPr/>
+        <p:txBody>
+          <a:bodyPr/>
+          <a:lstStyle/>
+          <a:p>
+            <a:r>
+              <a:rPr lang="en-US" dirty="0"/>
+              <a:t>Kotlin Official site (</a:t>
+            </a:r>
+            <a:r>
+              <a:rPr lang="en-US" dirty="0">
+                <a:hlinkClick r:id="rId2"/>
+              </a:rPr>
+              <a:t>http://kotlinlang.org/</a:t>
+            </a:r>
+            <a:r>
+              <a:rPr lang="en-US" dirty="0"/>
+              <a:t>)</a:t>
+            </a:r>
+          </a:p>
+          <a:p>
+            <a:r>
+              <a:rPr lang="en-US" dirty="0"/>
+              <a:t>Kotlin Reference (</a:t>
+            </a:r>
+            <a:r>
+              <a:rPr lang="en-US" dirty="0">
+                <a:hlinkClick r:id="rId3"/>
+              </a:rPr>
+              <a:t>http://kotlinlang.org/docs/reference/</a:t>
+            </a:r>
+            <a:r>
+              <a:rPr lang="en-US" dirty="0"/>
+              <a:t>)</a:t>
+            </a:r>
+          </a:p>
+          <a:p>
+            <a:r>
+              <a:rPr lang="en-US" dirty="0"/>
+              <a:t>Kotlin Slack Community (</a:t>
+            </a:r>
+            <a:r>
+              <a:rPr lang="en-US" dirty="0">
+                <a:solidFill>
+                  <a:srgbClr val="000000"/>
+                </a:solidFill>
+                <a:hlinkClick r:id="rId4"/>
+              </a:rPr>
+              <a:t>http://slack.kotlinlang.org/</a:t>
+            </a:r>
+            <a:r>
+              <a:rPr lang="en-US" dirty="0">
+                <a:solidFill>
+                  <a:srgbClr val="000000"/>
+                </a:solidFill>
+              </a:rPr>
+              <a:t>)</a:t>
+            </a:r>
+          </a:p>
+          <a:p>
+            <a:r>
+              <a:rPr lang="en-US" dirty="0">
+                <a:solidFill>
+                  <a:srgbClr val="000000"/>
+                </a:solidFill>
+              </a:rPr>
+              <a:t>O’Reilly Introduction to Kotlin Programming (</a:t>
+            </a:r>
+            <a:r>
+              <a:rPr lang="en-US" dirty="0">
+                <a:solidFill>
+                  <a:srgbClr val="000000"/>
+                </a:solidFill>
+                <a:hlinkClick r:id="rId5" action="ppaction://hlinkfile"/>
+              </a:rPr>
+              <a:t>https://</a:t>
+            </a:r>
+            <a:r>
+              <a:rPr lang="en-US" dirty="0">
+                <a:hlinkClick r:id="rId5" action="ppaction://hlinkfile"/>
+              </a:rPr>
+              <a:t>goo.gl/zaxztZ</a:t>
+            </a:r>
+            <a:r>
+              <a:rPr lang="en-US" dirty="0"/>
+              <a:t>)</a:t>
+            </a:r>
+          </a:p>
+          <a:p>
+            <a:r>
+              <a:rPr lang="en-US" dirty="0">
+                <a:solidFill>
+                  <a:srgbClr val="000000"/>
+                </a:solidFill>
+              </a:rPr>
+              <a:t>O’Reilly Advanced Kotlin (</a:t>
+            </a:r>
+            <a:r>
+              <a:rPr lang="en-US" dirty="0">
+                <a:hlinkClick r:id="rId6"/>
+              </a:rPr>
+              <a:t>https://goo.gl/azU9Fp</a:t>
+            </a:r>
+            <a:r>
+              <a:rPr lang="en-US" dirty="0"/>
+              <a:t>)</a:t>
+            </a:r>
+          </a:p>
+          <a:p>
+            <a:r>
+              <a:rPr lang="en-US" dirty="0"/>
+              <a:t>Manning Kotlin in Action (</a:t>
+            </a:r>
+            <a:r>
+              <a:rPr lang="en-US" dirty="0">
+                <a:hlinkClick r:id="rId7"/>
+              </a:rPr>
+              <a:t>https://goo.gl/1LQHos</a:t>
+            </a:r>
+            <a:r>
+              <a:rPr lang="en-US" dirty="0"/>
+              <a:t>)</a:t>
+            </a:r>
+          </a:p>
+          <a:p>
+            <a:endParaRPr lang="en-US" dirty="0"/>
+          </a:p>
+          <a:p>
+            <a:endParaRPr lang="en-US" dirty="0">
+              <a:solidFill>
+                <a:srgbClr val="000000"/>
+              </a:solidFill>
+              <a:hlinkClick r:id="rId4"/>
+            </a:endParaRPr>
+          </a:p>
+          <a:p>
+            <a:endParaRPr lang="en-US" dirty="0"/>
+          </a:p>
+        </p:txBody>
+      </p:sp>
+    </p:spTree>
+    <p:extLst>
+      <p:ext uri="{BB962C8B-B14F-4D97-AF65-F5344CB8AC3E}">
+        <p14:creationId xmlns:p14="http://schemas.microsoft.com/office/powerpoint/2010/main" val="3297582287"/>
       </p:ext>
     </p:extLst>
   </p:cSld>
